--- a/public/Ajeet_Profile.pptx
+++ b/public/Ajeet_Profile.pptx
@@ -3891,7 +3891,7 @@
           <a:effectLst/>
           <a:extLst>
             <a:ext uri="{91240B29-F687-4f45-9708-019B960494DF}">
-              <a14:hiddenLine xmlns="" xmlns:a14="http://schemas.microsoft.com/office/drawing/2010/main" w="9525">
+              <a14:hiddenLine xmlns:a14="http://schemas.microsoft.com/office/drawing/2010/main" xmlns="" w="9525">
                 <a:solidFill>
                   <a:srgbClr val="000000"/>
                 </a:solidFill>
@@ -4083,7 +4083,7 @@
           <a:p>
             <a:fld id="{8D86D732-C321-4A84-A0C2-859480BBA71C}" type="datetimeFigureOut">
               <a:rPr lang="en-US" smtClean="0"/>
-              <a:t>1/26/2025</a:t>
+              <a:t>2/10/2025</a:t>
             </a:fld>
             <a:endParaRPr lang="en-US"/>
           </a:p>
@@ -4401,7 +4401,7 @@
           <a:p>
             <a:fld id="{8D86D732-C321-4A84-A0C2-859480BBA71C}" type="datetimeFigureOut">
               <a:rPr lang="en-US" smtClean="0"/>
-              <a:t>1/26/2025</a:t>
+              <a:t>2/10/2025</a:t>
             </a:fld>
             <a:endParaRPr lang="en-US"/>
           </a:p>
@@ -4889,7 +4889,7 @@
           <a:p>
             <a:fld id="{8D86D732-C321-4A84-A0C2-859480BBA71C}" type="datetimeFigureOut">
               <a:rPr lang="en-US" smtClean="0"/>
-              <a:t>1/26/2025</a:t>
+              <a:t>2/10/2025</a:t>
             </a:fld>
             <a:endParaRPr lang="en-US"/>
           </a:p>
@@ -5258,7 +5258,7 @@
           <a:p>
             <a:fld id="{8D86D732-C321-4A84-A0C2-859480BBA71C}" type="datetimeFigureOut">
               <a:rPr lang="en-US" smtClean="0"/>
-              <a:t>1/26/2025</a:t>
+              <a:t>2/10/2025</a:t>
             </a:fld>
             <a:endParaRPr lang="en-US"/>
           </a:p>
@@ -5413,7 +5413,7 @@
           <a:ln/>
           <a:extLst>
             <a:ext uri="{91240B29-F687-4f45-9708-019B960494DF}">
-              <a14:hiddenLine xmlns="" xmlns:a14="http://schemas.microsoft.com/office/drawing/2010/main" w="9525">
+              <a14:hiddenLine xmlns:a14="http://schemas.microsoft.com/office/drawing/2010/main" xmlns="" w="9525">
                 <a:solidFill>
                   <a:srgbClr val="000000"/>
                 </a:solidFill>
@@ -5531,7 +5531,7 @@
           <a:p>
             <a:fld id="{8D86D732-C321-4A84-A0C2-859480BBA71C}" type="datetimeFigureOut">
               <a:rPr lang="en-US" smtClean="0"/>
-              <a:t>1/26/2025</a:t>
+              <a:t>2/10/2025</a:t>
             </a:fld>
             <a:endParaRPr lang="en-US"/>
           </a:p>
@@ -5688,7 +5688,7 @@
           <a:ln/>
           <a:extLst>
             <a:ext uri="{91240B29-F687-4f45-9708-019B960494DF}">
-              <a14:hiddenLine xmlns="" xmlns:a14="http://schemas.microsoft.com/office/drawing/2010/main" w="9525">
+              <a14:hiddenLine xmlns:a14="http://schemas.microsoft.com/office/drawing/2010/main" xmlns="" w="9525">
                 <a:solidFill>
                   <a:srgbClr val="000000"/>
                 </a:solidFill>
@@ -5816,7 +5816,7 @@
           <a:p>
             <a:fld id="{8D86D732-C321-4A84-A0C2-859480BBA71C}" type="datetimeFigureOut">
               <a:rPr lang="en-US" smtClean="0"/>
-              <a:t>1/26/2025</a:t>
+              <a:t>2/10/2025</a:t>
             </a:fld>
             <a:endParaRPr lang="en-US"/>
           </a:p>
@@ -5971,7 +5971,7 @@
           <a:ln/>
           <a:extLst>
             <a:ext uri="{91240B29-F687-4f45-9708-019B960494DF}">
-              <a14:hiddenLine xmlns="" xmlns:a14="http://schemas.microsoft.com/office/drawing/2010/main" w="9525">
+              <a14:hiddenLine xmlns:a14="http://schemas.microsoft.com/office/drawing/2010/main" xmlns="" w="9525">
                 <a:solidFill>
                   <a:srgbClr val="000000"/>
                 </a:solidFill>
@@ -6099,7 +6099,7 @@
           <a:p>
             <a:fld id="{8D86D732-C321-4A84-A0C2-859480BBA71C}" type="datetimeFigureOut">
               <a:rPr lang="en-US" smtClean="0"/>
-              <a:t>1/26/2025</a:t>
+              <a:t>2/10/2025</a:t>
             </a:fld>
             <a:endParaRPr lang="en-US"/>
           </a:p>
@@ -6442,7 +6442,7 @@
           <a:p>
             <a:fld id="{8D86D732-C321-4A84-A0C2-859480BBA71C}" type="datetimeFigureOut">
               <a:rPr lang="en-US" smtClean="0"/>
-              <a:t>1/26/2025</a:t>
+              <a:t>2/10/2025</a:t>
             </a:fld>
             <a:endParaRPr lang="en-US"/>
           </a:p>
@@ -6597,7 +6597,7 @@
           <a:ln/>
           <a:extLst>
             <a:ext uri="{91240B29-F687-4f45-9708-019B960494DF}">
-              <a14:hiddenLine xmlns="" xmlns:a14="http://schemas.microsoft.com/office/drawing/2010/main" w="9525">
+              <a14:hiddenLine xmlns:a14="http://schemas.microsoft.com/office/drawing/2010/main" xmlns="" w="9525">
                 <a:solidFill>
                   <a:srgbClr val="000000"/>
                 </a:solidFill>
@@ -6781,7 +6781,7 @@
           <a:p>
             <a:fld id="{8D86D732-C321-4A84-A0C2-859480BBA71C}" type="datetimeFigureOut">
               <a:rPr lang="en-US" smtClean="0"/>
-              <a:t>1/26/2025</a:t>
+              <a:t>2/10/2025</a:t>
             </a:fld>
             <a:endParaRPr lang="en-US"/>
           </a:p>
@@ -6936,7 +6936,7 @@
           <a:ln/>
           <a:extLst>
             <a:ext uri="{91240B29-F687-4f45-9708-019B960494DF}">
-              <a14:hiddenLine xmlns="" xmlns:a14="http://schemas.microsoft.com/office/drawing/2010/main" w="9525">
+              <a14:hiddenLine xmlns:a14="http://schemas.microsoft.com/office/drawing/2010/main" xmlns="" w="9525">
                 <a:solidFill>
                   <a:srgbClr val="000000"/>
                 </a:solidFill>
@@ -7258,7 +7258,7 @@
           <a:p>
             <a:fld id="{8D86D732-C321-4A84-A0C2-859480BBA71C}" type="datetimeFigureOut">
               <a:rPr lang="en-US" smtClean="0"/>
-              <a:t>1/26/2025</a:t>
+              <a:t>2/10/2025</a:t>
             </a:fld>
             <a:endParaRPr lang="en-US"/>
           </a:p>
@@ -7413,7 +7413,7 @@
           <a:ln/>
           <a:extLst>
             <a:ext uri="{91240B29-F687-4f45-9708-019B960494DF}">
-              <a14:hiddenLine xmlns="" xmlns:a14="http://schemas.microsoft.com/office/drawing/2010/main" w="9525">
+              <a14:hiddenLine xmlns:a14="http://schemas.microsoft.com/office/drawing/2010/main" xmlns="" w="9525">
                 <a:solidFill>
                   <a:srgbClr val="000000"/>
                 </a:solidFill>
@@ -7479,7 +7479,7 @@
           <a:p>
             <a:fld id="{8D86D732-C321-4A84-A0C2-859480BBA71C}" type="datetimeFigureOut">
               <a:rPr lang="en-US" smtClean="0"/>
-              <a:t>1/26/2025</a:t>
+              <a:t>2/10/2025</a:t>
             </a:fld>
             <a:endParaRPr lang="en-US"/>
           </a:p>
@@ -7574,7 +7574,7 @@
           <a:p>
             <a:fld id="{8D86D732-C321-4A84-A0C2-859480BBA71C}" type="datetimeFigureOut">
               <a:rPr lang="en-US" smtClean="0"/>
-              <a:t>1/26/2025</a:t>
+              <a:t>2/10/2025</a:t>
             </a:fld>
             <a:endParaRPr lang="en-US"/>
           </a:p>
@@ -7842,7 +7842,7 @@
           <a:ln/>
           <a:extLst>
             <a:ext uri="{91240B29-F687-4f45-9708-019B960494DF}">
-              <a14:hiddenLine xmlns="" xmlns:a14="http://schemas.microsoft.com/office/drawing/2010/main" w="9525">
+              <a14:hiddenLine xmlns:a14="http://schemas.microsoft.com/office/drawing/2010/main" xmlns="" w="9525">
                 <a:solidFill>
                   <a:srgbClr val="000000"/>
                 </a:solidFill>
@@ -8041,7 +8041,7 @@
           <a:p>
             <a:fld id="{8D86D732-C321-4A84-A0C2-859480BBA71C}" type="datetimeFigureOut">
               <a:rPr lang="en-US" smtClean="0"/>
-              <a:t>1/26/2025</a:t>
+              <a:t>2/10/2025</a:t>
             </a:fld>
             <a:endParaRPr lang="en-US"/>
           </a:p>
@@ -8354,7 +8354,7 @@
           <a:p>
             <a:fld id="{8D86D732-C321-4A84-A0C2-859480BBA71C}" type="datetimeFigureOut">
               <a:rPr lang="en-US" smtClean="0"/>
-              <a:t>1/26/2025</a:t>
+              <a:t>2/10/2025</a:t>
             </a:fld>
             <a:endParaRPr lang="en-US"/>
           </a:p>
@@ -8624,7 +8624,7 @@
           <a:p>
             <a:fld id="{8D86D732-C321-4A84-A0C2-859480BBA71C}" type="datetimeFigureOut">
               <a:rPr lang="en-US" smtClean="0"/>
-              <a:t>1/26/2025</a:t>
+              <a:t>2/10/2025</a:t>
             </a:fld>
             <a:endParaRPr lang="en-US"/>
           </a:p>
@@ -9225,10 +9225,12 @@
             </a:pPr>
             <a:r>
               <a:rPr lang="en-US" dirty="0"/>
-              <a:t>LinkedIn: linkedin.com/in/ajeet-raghuvanshi-579725327</a:t>
-            </a:r>
-          </a:p>
-          <a:p>
+              <a:t>Portfolio</a:t>
+            </a:r>
+            <a:r>
+              <a:rPr lang="en-US"/>
+              <a:t>: https://ajeetraghuvanshi.vercel.app/</a:t>
+            </a:r>
             <a:endParaRPr lang="en-US" dirty="0"/>
           </a:p>
           <a:p>
@@ -9542,7 +9544,7 @@
           <a:effectLst/>
           <a:extLst>
             <a:ext uri="{91240B29-F687-4f45-9708-019B960494DF}">
-              <a14:hiddenLine xmlns="" xmlns:a14="http://schemas.microsoft.com/office/drawing/2010/main" xmlns:p14="http://schemas.microsoft.com/office/powerpoint/2010/main" xmlns:a16="http://schemas.microsoft.com/office/drawing/2014/main" w="9525">
+              <a14:hiddenLine xmlns:a16="http://schemas.microsoft.com/office/drawing/2014/main" xmlns:p14="http://schemas.microsoft.com/office/powerpoint/2010/main" xmlns:a14="http://schemas.microsoft.com/office/drawing/2010/main" xmlns="" w="9525">
                 <a:solidFill>
                   <a:srgbClr val="000000"/>
                 </a:solidFill>
@@ -10032,7 +10034,7 @@
           <a:effectLst/>
           <a:extLst>
             <a:ext uri="{91240B29-F687-4f45-9708-019B960494DF}">
-              <a14:hiddenLine xmlns:a14="http://schemas.microsoft.com/office/drawing/2010/main" xmlns:p14="http://schemas.microsoft.com/office/powerpoint/2010/main" xmlns:a16="http://schemas.microsoft.com/office/drawing/2014/main" xmlns="" w="9525">
+              <a14:hiddenLine xmlns="" xmlns:a16="http://schemas.microsoft.com/office/drawing/2014/main" xmlns:p14="http://schemas.microsoft.com/office/powerpoint/2010/main" xmlns:a14="http://schemas.microsoft.com/office/drawing/2010/main" w="9525">
                 <a:solidFill>
                   <a:srgbClr val="000000"/>
                 </a:solidFill>
@@ -11082,7 +11084,7 @@
           <a:effectLst/>
           <a:extLst>
             <a:ext uri="{91240B29-F687-4f45-9708-019B960494DF}">
-              <a14:hiddenLine xmlns="" xmlns:a16="http://schemas.microsoft.com/office/drawing/2014/main" xmlns:p14="http://schemas.microsoft.com/office/powerpoint/2010/main" xmlns:a14="http://schemas.microsoft.com/office/drawing/2010/main" w="9525">
+              <a14:hiddenLine xmlns:a14="http://schemas.microsoft.com/office/drawing/2010/main" xmlns:p14="http://schemas.microsoft.com/office/powerpoint/2010/main" xmlns:a16="http://schemas.microsoft.com/office/drawing/2014/main" xmlns="" w="9525">
                 <a:solidFill>
                   <a:srgbClr val="000000"/>
                 </a:solidFill>
